--- a/doc/cosim.pptx
+++ b/doc/cosim.pptx
@@ -14,9 +14,18 @@
     <p:sldId id="293" r:id="rId8"/>
     <p:sldId id="309" r:id="rId9"/>
     <p:sldId id="295" r:id="rId10"/>
-    <p:sldId id="296" r:id="rId11"/>
-    <p:sldId id="303" r:id="rId12"/>
-    <p:sldId id="304" r:id="rId13"/>
+    <p:sldId id="310" r:id="rId11"/>
+    <p:sldId id="311" r:id="rId12"/>
+    <p:sldId id="312" r:id="rId13"/>
+    <p:sldId id="313" r:id="rId14"/>
+    <p:sldId id="314" r:id="rId15"/>
+    <p:sldId id="315" r:id="rId16"/>
+    <p:sldId id="316" r:id="rId17"/>
+    <p:sldId id="317" r:id="rId18"/>
+    <p:sldId id="318" r:id="rId19"/>
+    <p:sldId id="296" r:id="rId20"/>
+    <p:sldId id="303" r:id="rId21"/>
+    <p:sldId id="304" r:id="rId22"/>
   </p:sldIdLst>
   <p:sldSz cx="9144000" cy="6858000" type="screen4x3"/>
   <p:notesSz cx="6858000" cy="9144000"/>
@@ -300,7 +309,7 @@
             <a:fld id="{3A2F3D4C-B1B2-4ED9-A806-D2C265E29E3F}" type="datetimeFigureOut">
               <a:rPr lang="en-US" smtClean="0"/>
               <a:pPr/>
-              <a:t>14/01/2020</a:t>
+              <a:t>15/01/2020</a:t>
             </a:fld>
             <a:endParaRPr lang="en-US"/>
           </a:p>
@@ -467,7 +476,7 @@
             <a:fld id="{3A2F3D4C-B1B2-4ED9-A806-D2C265E29E3F}" type="datetimeFigureOut">
               <a:rPr lang="en-US" smtClean="0"/>
               <a:pPr/>
-              <a:t>14/01/2020</a:t>
+              <a:t>15/01/2020</a:t>
             </a:fld>
             <a:endParaRPr lang="en-US"/>
           </a:p>
@@ -644,7 +653,7 @@
             <a:fld id="{3A2F3D4C-B1B2-4ED9-A806-D2C265E29E3F}" type="datetimeFigureOut">
               <a:rPr lang="en-US" smtClean="0"/>
               <a:pPr/>
-              <a:t>14/01/2020</a:t>
+              <a:t>15/01/2020</a:t>
             </a:fld>
             <a:endParaRPr lang="en-US"/>
           </a:p>
@@ -811,7 +820,7 @@
             <a:fld id="{3A2F3D4C-B1B2-4ED9-A806-D2C265E29E3F}" type="datetimeFigureOut">
               <a:rPr lang="en-US" smtClean="0"/>
               <a:pPr/>
-              <a:t>14/01/2020</a:t>
+              <a:t>15/01/2020</a:t>
             </a:fld>
             <a:endParaRPr lang="en-US"/>
           </a:p>
@@ -1054,7 +1063,7 @@
             <a:fld id="{3A2F3D4C-B1B2-4ED9-A806-D2C265E29E3F}" type="datetimeFigureOut">
               <a:rPr lang="en-US" smtClean="0"/>
               <a:pPr/>
-              <a:t>14/01/2020</a:t>
+              <a:t>15/01/2020</a:t>
             </a:fld>
             <a:endParaRPr lang="en-US"/>
           </a:p>
@@ -1339,7 +1348,7 @@
             <a:fld id="{3A2F3D4C-B1B2-4ED9-A806-D2C265E29E3F}" type="datetimeFigureOut">
               <a:rPr lang="en-US" smtClean="0"/>
               <a:pPr/>
-              <a:t>14/01/2020</a:t>
+              <a:t>15/01/2020</a:t>
             </a:fld>
             <a:endParaRPr lang="en-US"/>
           </a:p>
@@ -1758,7 +1767,7 @@
             <a:fld id="{3A2F3D4C-B1B2-4ED9-A806-D2C265E29E3F}" type="datetimeFigureOut">
               <a:rPr lang="en-US" smtClean="0"/>
               <a:pPr/>
-              <a:t>14/01/2020</a:t>
+              <a:t>15/01/2020</a:t>
             </a:fld>
             <a:endParaRPr lang="en-US"/>
           </a:p>
@@ -1873,7 +1882,7 @@
             <a:fld id="{3A2F3D4C-B1B2-4ED9-A806-D2C265E29E3F}" type="datetimeFigureOut">
               <a:rPr lang="en-US" smtClean="0"/>
               <a:pPr/>
-              <a:t>14/01/2020</a:t>
+              <a:t>15/01/2020</a:t>
             </a:fld>
             <a:endParaRPr lang="en-US"/>
           </a:p>
@@ -1965,7 +1974,7 @@
             <a:fld id="{3A2F3D4C-B1B2-4ED9-A806-D2C265E29E3F}" type="datetimeFigureOut">
               <a:rPr lang="en-US" smtClean="0"/>
               <a:pPr/>
-              <a:t>14/01/2020</a:t>
+              <a:t>15/01/2020</a:t>
             </a:fld>
             <a:endParaRPr lang="en-US"/>
           </a:p>
@@ -2239,7 +2248,7 @@
             <a:fld id="{3A2F3D4C-B1B2-4ED9-A806-D2C265E29E3F}" type="datetimeFigureOut">
               <a:rPr lang="en-US" smtClean="0"/>
               <a:pPr/>
-              <a:t>14/01/2020</a:t>
+              <a:t>15/01/2020</a:t>
             </a:fld>
             <a:endParaRPr lang="en-US"/>
           </a:p>
@@ -2489,7 +2498,7 @@
             <a:fld id="{3A2F3D4C-B1B2-4ED9-A806-D2C265E29E3F}" type="datetimeFigureOut">
               <a:rPr lang="en-US" smtClean="0"/>
               <a:pPr/>
-              <a:t>14/01/2020</a:t>
+              <a:t>15/01/2020</a:t>
             </a:fld>
             <a:endParaRPr lang="en-US"/>
           </a:p>
@@ -2699,7 +2708,7 @@
             <a:fld id="{3A2F3D4C-B1B2-4ED9-A806-D2C265E29E3F}" type="datetimeFigureOut">
               <a:rPr lang="en-US" smtClean="0"/>
               <a:pPr/>
-              <a:t>14/01/2020</a:t>
+              <a:t>15/01/2020</a:t>
             </a:fld>
             <a:endParaRPr lang="en-US"/>
           </a:p>
@@ -3142,15 +3151,7 @@
             </a:r>
             <a:r>
               <a:rPr lang="en-US" dirty="0" smtClean="0"/>
-              <a:t> </a:t>
-            </a:r>
-            <a:r>
-              <a:rPr lang="en-US" dirty="0" smtClean="0"/>
-              <a:t>Static Scheduler </a:t>
-            </a:r>
-            <a:r>
-              <a:rPr lang="en-US" dirty="0" smtClean="0"/>
-              <a:t>and </a:t>
+              <a:t> Static Scheduler and </a:t>
             </a:r>
             <a:r>
               <a:rPr lang="en-US" dirty="0" err="1" smtClean="0"/>
@@ -3158,11 +3159,7 @@
             </a:r>
             <a:r>
               <a:rPr lang="en-US" dirty="0" smtClean="0"/>
-              <a:t> </a:t>
-            </a:r>
-            <a:r>
-              <a:rPr lang="en-US" dirty="0" smtClean="0"/>
-              <a:t>Vector Cores</a:t>
+              <a:t> Vector Cores</a:t>
             </a:r>
             <a:endParaRPr lang="en-US" dirty="0"/>
           </a:p>
@@ -3230,11 +3227,7 @@
           <a:p>
             <a:r>
               <a:rPr lang="en-GB" dirty="0" smtClean="0"/>
-              <a:t>Cambridge </a:t>
-            </a:r>
-            <a:r>
-              <a:rPr lang="en-GB" dirty="0" smtClean="0"/>
-              <a:t>2020</a:t>
+              <a:t>Cambridge 2020</a:t>
             </a:r>
             <a:endParaRPr lang="en-US" dirty="0"/>
           </a:p>
@@ -3284,14 +3277,46 @@
         </p:nvSpPr>
         <p:spPr/>
         <p:txBody>
-          <a:bodyPr/>
+          <a:bodyPr>
+            <a:normAutofit/>
+          </a:bodyPr>
           <a:lstStyle/>
           <a:p>
             <a:r>
               <a:rPr lang="en-GB" dirty="0" smtClean="0"/>
-              <a:t>Design Examples</a:t>
+              <a:t>Simulator Preferences</a:t>
             </a:r>
             <a:endParaRPr lang="en-US" dirty="0"/>
+          </a:p>
+        </p:txBody>
+      </p:sp>
+      <p:sp>
+        <p:nvSpPr>
+          <p:cNvPr id="3" name="Content Placeholder 2"/>
+          <p:cNvSpPr>
+            <a:spLocks noGrp="1"/>
+          </p:cNvSpPr>
+          <p:nvPr>
+            <p:ph idx="1"/>
+          </p:nvPr>
+        </p:nvSpPr>
+        <p:spPr/>
+        <p:txBody>
+          <a:bodyPr>
+            <a:normAutofit/>
+          </a:bodyPr>
+          <a:lstStyle/>
+          <a:p>
+            <a:pPr marL="514350" indent="-514350"/>
+            <a:r>
+              <a:rPr lang="en-GB" dirty="0" smtClean="0"/>
+              <a:t>Preferences are supplied to the simulator via the JSON file specified </a:t>
+            </a:r>
+            <a:r>
+              <a:rPr lang="en-GB" dirty="0" smtClean="0"/>
+              <a:t>as a single command line parameter</a:t>
+            </a:r>
+            <a:endParaRPr lang="en-GB" dirty="0" smtClean="0"/>
           </a:p>
         </p:txBody>
       </p:sp>
@@ -3332,13 +3357,119 @@
         </p:nvSpPr>
         <p:spPr/>
         <p:txBody>
-          <a:bodyPr/>
+          <a:bodyPr>
+            <a:normAutofit/>
+          </a:bodyPr>
           <a:lstStyle/>
           <a:p>
             <a:r>
               <a:rPr lang="en-GB" dirty="0" smtClean="0"/>
-              <a:t>References</a:t>
-            </a:r>
+              <a:t>Top-level JSON Fields</a:t>
+            </a:r>
+            <a:endParaRPr lang="en-US" dirty="0"/>
+          </a:p>
+        </p:txBody>
+      </p:sp>
+      <p:sp>
+        <p:nvSpPr>
+          <p:cNvPr id="3" name="Content Placeholder 2"/>
+          <p:cNvSpPr>
+            <a:spLocks noGrp="1"/>
+          </p:cNvSpPr>
+          <p:nvPr>
+            <p:ph idx="1"/>
+          </p:nvPr>
+        </p:nvSpPr>
+        <p:spPr/>
+        <p:txBody>
+          <a:bodyPr>
+            <a:normAutofit fontScale="77500" lnSpcReduction="20000"/>
+          </a:bodyPr>
+          <a:lstStyle/>
+          <a:p>
+            <a:pPr marL="514350" indent="-514350"/>
+            <a:r>
+              <a:rPr lang="en-GB" dirty="0" smtClean="0"/>
+              <a:t>“threads”: an array of thread specifications</a:t>
+            </a:r>
+          </a:p>
+          <a:p>
+            <a:pPr marL="514350" indent="-514350"/>
+            <a:r>
+              <a:rPr lang="en-GB" dirty="0" smtClean="0"/>
+              <a:t>“tasks”: an array of task specifications</a:t>
+            </a:r>
+          </a:p>
+          <a:p>
+            <a:pPr marL="514350" indent="-514350"/>
+            <a:r>
+              <a:rPr lang="en-GB" dirty="0" smtClean="0"/>
+              <a:t>“</a:t>
+            </a:r>
+            <a:r>
+              <a:rPr lang="en-GB" dirty="0" smtClean="0"/>
+              <a:t>executors”: an array of the names of the execution blocks available in the system</a:t>
+            </a:r>
+          </a:p>
+          <a:p>
+            <a:pPr marL="514350" indent="-514350"/>
+            <a:r>
+              <a:rPr lang="en-GB" dirty="0" smtClean="0"/>
+              <a:t>“common”: </a:t>
+            </a:r>
+            <a:r>
+              <a:rPr lang="en-GB" dirty="0" smtClean="0"/>
+              <a:t>an array of </a:t>
+            </a:r>
+            <a:r>
+              <a:rPr lang="en-GB" dirty="0" smtClean="0"/>
+              <a:t>common resource specifications</a:t>
+            </a:r>
+          </a:p>
+          <a:p>
+            <a:pPr marL="514350" indent="-514350"/>
+            <a:r>
+              <a:rPr lang="en-GB" dirty="0" smtClean="0"/>
+              <a:t>“time”: specification of the simulation time and resolution</a:t>
+            </a:r>
+          </a:p>
+          <a:p>
+            <a:pPr marL="514350" indent="-514350"/>
+            <a:r>
+              <a:rPr lang="en-GB" dirty="0" smtClean="0"/>
+              <a:t>“trace”: specification of the VCD trace and waveform translation</a:t>
+            </a:r>
+          </a:p>
+          <a:p>
+            <a:pPr marL="514350" indent="-514350"/>
+            <a:r>
+              <a:rPr lang="en-GB" dirty="0" smtClean="0"/>
+              <a:t>“dump”: an array of data dump specifications for the different points of the simulated system</a:t>
+            </a:r>
+          </a:p>
+          <a:p>
+            <a:pPr marL="514350" indent="-514350"/>
+            <a:r>
+              <a:rPr lang="en-GB" dirty="0" smtClean="0"/>
+              <a:t>“report”: controls for </a:t>
+            </a:r>
+            <a:r>
+              <a:rPr lang="en-GB" dirty="0" err="1" smtClean="0"/>
+              <a:t>SystemC</a:t>
+            </a:r>
+            <a:r>
+              <a:rPr lang="en-GB" dirty="0" smtClean="0"/>
+              <a:t> logging and reporting</a:t>
+            </a:r>
+            <a:endParaRPr lang="en-GB" dirty="0" smtClean="0"/>
+          </a:p>
+          <a:p>
+            <a:pPr marL="514350" indent="-514350"/>
+            <a:r>
+              <a:rPr lang="en-GB" dirty="0" smtClean="0"/>
+              <a:t>Please refer to the examples for the specification details</a:t>
+            </a:r>
+            <a:endParaRPr lang="en-GB" dirty="0" smtClean="0"/>
           </a:p>
         </p:txBody>
       </p:sp>
@@ -3379,128 +3510,526 @@
         </p:nvSpPr>
         <p:spPr/>
         <p:txBody>
-          <a:bodyPr/>
-          <a:lstStyle/>
-          <a:p>
-            <a:r>
-              <a:rPr lang="en-GB" dirty="0" smtClean="0"/>
-              <a:t>Source Code and Documentation</a:t>
-            </a:r>
-            <a:endParaRPr lang="en-US" dirty="0"/>
-          </a:p>
-        </p:txBody>
-      </p:sp>
-      <p:sp>
-        <p:nvSpPr>
-          <p:cNvPr id="3" name="Content Placeholder 2"/>
-          <p:cNvSpPr>
-            <a:spLocks noGrp="1"/>
-          </p:cNvSpPr>
-          <p:nvPr>
-            <p:ph idx="1"/>
-          </p:nvPr>
-        </p:nvSpPr>
-        <p:spPr/>
-        <p:txBody>
           <a:bodyPr>
             <a:normAutofit/>
           </a:bodyPr>
           <a:lstStyle/>
           <a:p>
-            <a:pPr>
-              <a:buNone/>
-            </a:pPr>
-            <a:r>
-              <a:rPr lang="en-US" dirty="0" smtClean="0"/>
-              <a:t>[1] Co-simulation environment:</a:t>
-            </a:r>
-            <a:endParaRPr lang="en-US" dirty="0" smtClean="0">
-              <a:hlinkClick r:id="rId2"/>
-            </a:endParaRPr>
-          </a:p>
-          <a:p>
-            <a:pPr lvl="1">
-              <a:buNone/>
-            </a:pPr>
-            <a:r>
-              <a:rPr lang="en-US" dirty="0" smtClean="0">
-                <a:hlinkClick r:id="rId2"/>
-              </a:rPr>
-              <a:t>https://github.com/timurkelin/cosim</a:t>
-            </a:r>
-            <a:endParaRPr lang="en-US" dirty="0" smtClean="0"/>
-          </a:p>
-          <a:p>
-            <a:pPr>
-              <a:buNone/>
-            </a:pPr>
-            <a:r>
-              <a:rPr lang="en-US" dirty="0" smtClean="0"/>
-              <a:t>[2] Simulation </a:t>
-            </a:r>
-            <a:r>
-              <a:rPr lang="en-US" dirty="0" smtClean="0"/>
-              <a:t>Framework for the Static </a:t>
-            </a:r>
-            <a:r>
-              <a:rPr lang="en-US" dirty="0" smtClean="0"/>
-              <a:t>Scheduler: </a:t>
-            </a:r>
+            <a:r>
+              <a:rPr lang="en-GB" dirty="0" smtClean="0"/>
+              <a:t>Thread Specification</a:t>
+            </a:r>
+            <a:endParaRPr lang="en-US" dirty="0"/>
+          </a:p>
+        </p:txBody>
+      </p:sp>
+      <p:sp>
+        <p:nvSpPr>
+          <p:cNvPr id="3" name="Content Placeholder 2"/>
+          <p:cNvSpPr>
+            <a:spLocks noGrp="1"/>
+          </p:cNvSpPr>
+          <p:nvPr>
+            <p:ph idx="1"/>
+          </p:nvPr>
+        </p:nvSpPr>
+        <p:spPr/>
+        <p:txBody>
+          <a:bodyPr>
+            <a:normAutofit/>
+          </a:bodyPr>
+          <a:lstStyle/>
+          <a:p>
+            <a:pPr marL="514350" indent="-514350"/>
             <a:endParaRPr lang="en-GB" dirty="0" smtClean="0"/>
           </a:p>
-          <a:p>
-            <a:pPr lvl="1">
-              <a:buNone/>
-            </a:pPr>
-            <a:r>
-              <a:rPr lang="en-US" dirty="0" smtClean="0">
-                <a:hlinkClick r:id="rId3"/>
-              </a:rPr>
-              <a:t>https</a:t>
-            </a:r>
-            <a:r>
-              <a:rPr lang="en-US" dirty="0" smtClean="0">
-                <a:hlinkClick r:id="rId3"/>
-              </a:rPr>
-              <a:t>://</a:t>
-            </a:r>
-            <a:r>
-              <a:rPr lang="en-US" dirty="0" smtClean="0">
-                <a:hlinkClick r:id="rId3"/>
-              </a:rPr>
-              <a:t>github.com/timurkelin/simschd</a:t>
-            </a:r>
-            <a:endParaRPr lang="en-US" dirty="0" smtClean="0"/>
-          </a:p>
-          <a:p>
-            <a:pPr>
-              <a:buNone/>
-            </a:pPr>
-            <a:r>
-              <a:rPr lang="en-US" dirty="0" smtClean="0"/>
-              <a:t>[3] Simulation </a:t>
-            </a:r>
-            <a:r>
-              <a:rPr lang="en-US" dirty="0" smtClean="0"/>
-              <a:t>framework for Application </a:t>
-            </a:r>
-            <a:r>
-              <a:rPr lang="en-US" dirty="0" smtClean="0"/>
-              <a:t>Specific Vector Processor:</a:t>
-            </a:r>
+        </p:txBody>
+      </p:sp>
+    </p:spTree>
+  </p:cSld>
+  <p:clrMapOvr>
+    <a:masterClrMapping/>
+  </p:clrMapOvr>
+</p:sld>
+</file>
+
+<file path=ppt/slides/slide13.xml><?xml version="1.0" encoding="utf-8"?>
+<p:sld xmlns:a="http://schemas.openxmlformats.org/drawingml/2006/main" xmlns:r="http://schemas.openxmlformats.org/officeDocument/2006/relationships" xmlns:p="http://schemas.openxmlformats.org/presentationml/2006/main">
+  <p:cSld>
+    <p:spTree>
+      <p:nvGrpSpPr>
+        <p:cNvPr id="1" name=""/>
+        <p:cNvGrpSpPr/>
+        <p:nvPr/>
+      </p:nvGrpSpPr>
+      <p:grpSpPr>
+        <a:xfrm>
+          <a:off x="0" y="0"/>
+          <a:ext cx="0" cy="0"/>
+          <a:chOff x="0" y="0"/>
+          <a:chExt cx="0" cy="0"/>
+        </a:xfrm>
+      </p:grpSpPr>
+      <p:sp>
+        <p:nvSpPr>
+          <p:cNvPr id="2" name="Title 1"/>
+          <p:cNvSpPr>
+            <a:spLocks noGrp="1"/>
+          </p:cNvSpPr>
+          <p:nvPr>
+            <p:ph type="title"/>
+          </p:nvPr>
+        </p:nvSpPr>
+        <p:spPr/>
+        <p:txBody>
+          <a:bodyPr>
+            <a:normAutofit/>
+          </a:bodyPr>
+          <a:lstStyle/>
+          <a:p>
+            <a:r>
+              <a:rPr lang="en-GB" dirty="0" smtClean="0"/>
+              <a:t>Task Specification</a:t>
+            </a:r>
+            <a:endParaRPr lang="en-US" dirty="0"/>
+          </a:p>
+        </p:txBody>
+      </p:sp>
+      <p:sp>
+        <p:nvSpPr>
+          <p:cNvPr id="3" name="Content Placeholder 2"/>
+          <p:cNvSpPr>
+            <a:spLocks noGrp="1"/>
+          </p:cNvSpPr>
+          <p:nvPr>
+            <p:ph idx="1"/>
+          </p:nvPr>
+        </p:nvSpPr>
+        <p:spPr/>
+        <p:txBody>
+          <a:bodyPr>
+            <a:normAutofit/>
+          </a:bodyPr>
+          <a:lstStyle/>
+          <a:p>
+            <a:pPr marL="514350" indent="-514350"/>
             <a:endParaRPr lang="en-GB" dirty="0" smtClean="0"/>
           </a:p>
-          <a:p>
-            <a:pPr lvl="1">
-              <a:buNone/>
-            </a:pPr>
-            <a:r>
-              <a:rPr lang="en-US" dirty="0" smtClean="0">
-                <a:hlinkClick r:id="rId4"/>
-              </a:rPr>
-              <a:t>https://github.com/timurkelin/simsimd</a:t>
-            </a:r>
+        </p:txBody>
+      </p:sp>
+    </p:spTree>
+  </p:cSld>
+  <p:clrMapOvr>
+    <a:masterClrMapping/>
+  </p:clrMapOvr>
+</p:sld>
+</file>
+
+<file path=ppt/slides/slide14.xml><?xml version="1.0" encoding="utf-8"?>
+<p:sld xmlns:a="http://schemas.openxmlformats.org/drawingml/2006/main" xmlns:r="http://schemas.openxmlformats.org/officeDocument/2006/relationships" xmlns:p="http://schemas.openxmlformats.org/presentationml/2006/main">
+  <p:cSld>
+    <p:spTree>
+      <p:nvGrpSpPr>
+        <p:cNvPr id="1" name=""/>
+        <p:cNvGrpSpPr/>
+        <p:nvPr/>
+      </p:nvGrpSpPr>
+      <p:grpSpPr>
+        <a:xfrm>
+          <a:off x="0" y="0"/>
+          <a:ext cx="0" cy="0"/>
+          <a:chOff x="0" y="0"/>
+          <a:chExt cx="0" cy="0"/>
+        </a:xfrm>
+      </p:grpSpPr>
+      <p:sp>
+        <p:nvSpPr>
+          <p:cNvPr id="2" name="Title 1"/>
+          <p:cNvSpPr>
+            <a:spLocks noGrp="1"/>
+          </p:cNvSpPr>
+          <p:nvPr>
+            <p:ph type="title"/>
+          </p:nvPr>
+        </p:nvSpPr>
+        <p:spPr/>
+        <p:txBody>
+          <a:bodyPr>
+            <a:normAutofit/>
+          </a:bodyPr>
+          <a:lstStyle/>
+          <a:p>
+            <a:r>
+              <a:rPr lang="en-GB" dirty="0" smtClean="0"/>
+              <a:t>Execution Block Specification</a:t>
+            </a:r>
+            <a:endParaRPr lang="en-US" dirty="0"/>
+          </a:p>
+        </p:txBody>
+      </p:sp>
+      <p:sp>
+        <p:nvSpPr>
+          <p:cNvPr id="3" name="Content Placeholder 2"/>
+          <p:cNvSpPr>
+            <a:spLocks noGrp="1"/>
+          </p:cNvSpPr>
+          <p:nvPr>
+            <p:ph idx="1"/>
+          </p:nvPr>
+        </p:nvSpPr>
+        <p:spPr/>
+        <p:txBody>
+          <a:bodyPr>
+            <a:normAutofit/>
+          </a:bodyPr>
+          <a:lstStyle/>
+          <a:p>
+            <a:pPr marL="514350" indent="-514350"/>
             <a:endParaRPr lang="en-GB" dirty="0" smtClean="0"/>
+          </a:p>
+        </p:txBody>
+      </p:sp>
+    </p:spTree>
+  </p:cSld>
+  <p:clrMapOvr>
+    <a:masterClrMapping/>
+  </p:clrMapOvr>
+</p:sld>
+</file>
+
+<file path=ppt/slides/slide15.xml><?xml version="1.0" encoding="utf-8"?>
+<p:sld xmlns:a="http://schemas.openxmlformats.org/drawingml/2006/main" xmlns:r="http://schemas.openxmlformats.org/officeDocument/2006/relationships" xmlns:p="http://schemas.openxmlformats.org/presentationml/2006/main">
+  <p:cSld>
+    <p:spTree>
+      <p:nvGrpSpPr>
+        <p:cNvPr id="1" name=""/>
+        <p:cNvGrpSpPr/>
+        <p:nvPr/>
+      </p:nvGrpSpPr>
+      <p:grpSpPr>
+        <a:xfrm>
+          <a:off x="0" y="0"/>
+          <a:ext cx="0" cy="0"/>
+          <a:chOff x="0" y="0"/>
+          <a:chExt cx="0" cy="0"/>
+        </a:xfrm>
+      </p:grpSpPr>
+      <p:sp>
+        <p:nvSpPr>
+          <p:cNvPr id="2" name="Title 1"/>
+          <p:cNvSpPr>
+            <a:spLocks noGrp="1"/>
+          </p:cNvSpPr>
+          <p:nvPr>
+            <p:ph type="title"/>
+          </p:nvPr>
+        </p:nvSpPr>
+        <p:spPr/>
+        <p:txBody>
+          <a:bodyPr>
+            <a:normAutofit/>
+          </a:bodyPr>
+          <a:lstStyle/>
+          <a:p>
+            <a:r>
+              <a:rPr lang="en-GB" dirty="0" smtClean="0"/>
+              <a:t>Common Resource Specification</a:t>
+            </a:r>
+            <a:endParaRPr lang="en-US" dirty="0"/>
+          </a:p>
+        </p:txBody>
+      </p:sp>
+      <p:sp>
+        <p:nvSpPr>
+          <p:cNvPr id="3" name="Content Placeholder 2"/>
+          <p:cNvSpPr>
+            <a:spLocks noGrp="1"/>
+          </p:cNvSpPr>
+          <p:nvPr>
+            <p:ph idx="1"/>
+          </p:nvPr>
+        </p:nvSpPr>
+        <p:spPr/>
+        <p:txBody>
+          <a:bodyPr>
+            <a:normAutofit/>
+          </a:bodyPr>
+          <a:lstStyle/>
+          <a:p>
+            <a:pPr marL="514350" indent="-514350"/>
+            <a:endParaRPr lang="en-GB" dirty="0" smtClean="0"/>
+          </a:p>
+        </p:txBody>
+      </p:sp>
+    </p:spTree>
+  </p:cSld>
+  <p:clrMapOvr>
+    <a:masterClrMapping/>
+  </p:clrMapOvr>
+</p:sld>
+</file>
+
+<file path=ppt/slides/slide16.xml><?xml version="1.0" encoding="utf-8"?>
+<p:sld xmlns:a="http://schemas.openxmlformats.org/drawingml/2006/main" xmlns:r="http://schemas.openxmlformats.org/officeDocument/2006/relationships" xmlns:p="http://schemas.openxmlformats.org/presentationml/2006/main">
+  <p:cSld>
+    <p:spTree>
+      <p:nvGrpSpPr>
+        <p:cNvPr id="1" name=""/>
+        <p:cNvGrpSpPr/>
+        <p:nvPr/>
+      </p:nvGrpSpPr>
+      <p:grpSpPr>
+        <a:xfrm>
+          <a:off x="0" y="0"/>
+          <a:ext cx="0" cy="0"/>
+          <a:chOff x="0" y="0"/>
+          <a:chExt cx="0" cy="0"/>
+        </a:xfrm>
+      </p:grpSpPr>
+      <p:sp>
+        <p:nvSpPr>
+          <p:cNvPr id="2" name="Title 1"/>
+          <p:cNvSpPr>
+            <a:spLocks noGrp="1"/>
+          </p:cNvSpPr>
+          <p:nvPr>
+            <p:ph type="title"/>
+          </p:nvPr>
+        </p:nvSpPr>
+        <p:spPr/>
+        <p:txBody>
+          <a:bodyPr>
+            <a:normAutofit/>
+          </a:bodyPr>
+          <a:lstStyle/>
+          <a:p>
+            <a:r>
+              <a:rPr lang="en-GB" dirty="0" smtClean="0"/>
+              <a:t>VCD Trace Specification</a:t>
+            </a:r>
+            <a:endParaRPr lang="en-US" dirty="0"/>
+          </a:p>
+        </p:txBody>
+      </p:sp>
+      <p:sp>
+        <p:nvSpPr>
+          <p:cNvPr id="3" name="Content Placeholder 2"/>
+          <p:cNvSpPr>
+            <a:spLocks noGrp="1"/>
+          </p:cNvSpPr>
+          <p:nvPr>
+            <p:ph idx="1"/>
+          </p:nvPr>
+        </p:nvSpPr>
+        <p:spPr/>
+        <p:txBody>
+          <a:bodyPr>
+            <a:normAutofit/>
+          </a:bodyPr>
+          <a:lstStyle/>
+          <a:p>
+            <a:pPr marL="514350" indent="-514350"/>
+            <a:endParaRPr lang="en-GB" dirty="0" smtClean="0"/>
+          </a:p>
+        </p:txBody>
+      </p:sp>
+    </p:spTree>
+  </p:cSld>
+  <p:clrMapOvr>
+    <a:masterClrMapping/>
+  </p:clrMapOvr>
+</p:sld>
+</file>
+
+<file path=ppt/slides/slide17.xml><?xml version="1.0" encoding="utf-8"?>
+<p:sld xmlns:a="http://schemas.openxmlformats.org/drawingml/2006/main" xmlns:r="http://schemas.openxmlformats.org/officeDocument/2006/relationships" xmlns:p="http://schemas.openxmlformats.org/presentationml/2006/main">
+  <p:cSld>
+    <p:spTree>
+      <p:nvGrpSpPr>
+        <p:cNvPr id="1" name=""/>
+        <p:cNvGrpSpPr/>
+        <p:nvPr/>
+      </p:nvGrpSpPr>
+      <p:grpSpPr>
+        <a:xfrm>
+          <a:off x="0" y="0"/>
+          <a:ext cx="0" cy="0"/>
+          <a:chOff x="0" y="0"/>
+          <a:chExt cx="0" cy="0"/>
+        </a:xfrm>
+      </p:grpSpPr>
+      <p:sp>
+        <p:nvSpPr>
+          <p:cNvPr id="2" name="Title 1"/>
+          <p:cNvSpPr>
+            <a:spLocks noGrp="1"/>
+          </p:cNvSpPr>
+          <p:nvPr>
+            <p:ph type="title"/>
+          </p:nvPr>
+        </p:nvSpPr>
+        <p:spPr/>
+        <p:txBody>
+          <a:bodyPr>
+            <a:normAutofit/>
+          </a:bodyPr>
+          <a:lstStyle/>
+          <a:p>
+            <a:r>
+              <a:rPr lang="en-GB" dirty="0" smtClean="0"/>
+              <a:t>Data Dump Specification</a:t>
+            </a:r>
+            <a:endParaRPr lang="en-US" dirty="0"/>
+          </a:p>
+        </p:txBody>
+      </p:sp>
+      <p:sp>
+        <p:nvSpPr>
+          <p:cNvPr id="3" name="Content Placeholder 2"/>
+          <p:cNvSpPr>
+            <a:spLocks noGrp="1"/>
+          </p:cNvSpPr>
+          <p:nvPr>
+            <p:ph idx="1"/>
+          </p:nvPr>
+        </p:nvSpPr>
+        <p:spPr/>
+        <p:txBody>
+          <a:bodyPr>
+            <a:normAutofit/>
+          </a:bodyPr>
+          <a:lstStyle/>
+          <a:p>
+            <a:pPr marL="514350" indent="-514350"/>
+            <a:endParaRPr lang="en-GB" dirty="0" smtClean="0"/>
+          </a:p>
+        </p:txBody>
+      </p:sp>
+    </p:spTree>
+  </p:cSld>
+  <p:clrMapOvr>
+    <a:masterClrMapping/>
+  </p:clrMapOvr>
+</p:sld>
+</file>
+
+<file path=ppt/slides/slide18.xml><?xml version="1.0" encoding="utf-8"?>
+<p:sld xmlns:a="http://schemas.openxmlformats.org/drawingml/2006/main" xmlns:r="http://schemas.openxmlformats.org/officeDocument/2006/relationships" xmlns:p="http://schemas.openxmlformats.org/presentationml/2006/main">
+  <p:cSld>
+    <p:spTree>
+      <p:nvGrpSpPr>
+        <p:cNvPr id="1" name=""/>
+        <p:cNvGrpSpPr/>
+        <p:nvPr/>
+      </p:nvGrpSpPr>
+      <p:grpSpPr>
+        <a:xfrm>
+          <a:off x="0" y="0"/>
+          <a:ext cx="0" cy="0"/>
+          <a:chOff x="0" y="0"/>
+          <a:chExt cx="0" cy="0"/>
+        </a:xfrm>
+      </p:grpSpPr>
+      <p:sp>
+        <p:nvSpPr>
+          <p:cNvPr id="2" name="Title 1"/>
+          <p:cNvSpPr>
+            <a:spLocks noGrp="1"/>
+          </p:cNvSpPr>
+          <p:nvPr>
+            <p:ph type="title"/>
+          </p:nvPr>
+        </p:nvSpPr>
+        <p:spPr/>
+        <p:txBody>
+          <a:bodyPr>
+            <a:normAutofit fontScale="90000"/>
+          </a:bodyPr>
+          <a:lstStyle/>
+          <a:p>
+            <a:r>
+              <a:rPr lang="en-GB" dirty="0" smtClean="0"/>
+              <a:t>Logging </a:t>
+            </a:r>
+            <a:r>
+              <a:rPr lang="en-GB" dirty="0" smtClean="0"/>
+              <a:t>and </a:t>
+            </a:r>
+            <a:r>
+              <a:rPr lang="en-GB" dirty="0" smtClean="0"/>
+              <a:t>Reporting Specification</a:t>
+            </a:r>
+            <a:endParaRPr lang="en-US" dirty="0"/>
+          </a:p>
+        </p:txBody>
+      </p:sp>
+      <p:sp>
+        <p:nvSpPr>
+          <p:cNvPr id="3" name="Content Placeholder 2"/>
+          <p:cNvSpPr>
+            <a:spLocks noGrp="1"/>
+          </p:cNvSpPr>
+          <p:nvPr>
+            <p:ph idx="1"/>
+          </p:nvPr>
+        </p:nvSpPr>
+        <p:spPr/>
+        <p:txBody>
+          <a:bodyPr>
+            <a:normAutofit/>
+          </a:bodyPr>
+          <a:lstStyle/>
+          <a:p>
+            <a:pPr marL="514350" indent="-514350"/>
+            <a:endParaRPr lang="en-GB" dirty="0" smtClean="0"/>
+          </a:p>
+        </p:txBody>
+      </p:sp>
+    </p:spTree>
+  </p:cSld>
+  <p:clrMapOvr>
+    <a:masterClrMapping/>
+  </p:clrMapOvr>
+</p:sld>
+</file>
+
+<file path=ppt/slides/slide19.xml><?xml version="1.0" encoding="utf-8"?>
+<p:sld xmlns:a="http://schemas.openxmlformats.org/drawingml/2006/main" xmlns:r="http://schemas.openxmlformats.org/officeDocument/2006/relationships" xmlns:p="http://schemas.openxmlformats.org/presentationml/2006/main">
+  <p:cSld>
+    <p:spTree>
+      <p:nvGrpSpPr>
+        <p:cNvPr id="1" name=""/>
+        <p:cNvGrpSpPr/>
+        <p:nvPr/>
+      </p:nvGrpSpPr>
+      <p:grpSpPr>
+        <a:xfrm>
+          <a:off x="0" y="0"/>
+          <a:ext cx="0" cy="0"/>
+          <a:chOff x="0" y="0"/>
+          <a:chExt cx="0" cy="0"/>
+        </a:xfrm>
+      </p:grpSpPr>
+      <p:sp>
+        <p:nvSpPr>
+          <p:cNvPr id="2" name="Title 1"/>
+          <p:cNvSpPr>
+            <a:spLocks noGrp="1"/>
+          </p:cNvSpPr>
+          <p:nvPr>
+            <p:ph type="title"/>
+          </p:nvPr>
+        </p:nvSpPr>
+        <p:spPr/>
+        <p:txBody>
+          <a:bodyPr/>
+          <a:lstStyle/>
+          <a:p>
+            <a:r>
+              <a:rPr lang="en-GB" dirty="0" smtClean="0"/>
+              <a:t>Design Examples</a:t>
+            </a:r>
+            <a:endParaRPr lang="en-US" dirty="0"/>
           </a:p>
         </p:txBody>
       </p:sp>
@@ -3630,6 +4159,241 @@
 </p:sld>
 </file>
 
+<file path=ppt/slides/slide20.xml><?xml version="1.0" encoding="utf-8"?>
+<p:sld xmlns:a="http://schemas.openxmlformats.org/drawingml/2006/main" xmlns:r="http://schemas.openxmlformats.org/officeDocument/2006/relationships" xmlns:p="http://schemas.openxmlformats.org/presentationml/2006/main">
+  <p:cSld>
+    <p:spTree>
+      <p:nvGrpSpPr>
+        <p:cNvPr id="1" name=""/>
+        <p:cNvGrpSpPr/>
+        <p:nvPr/>
+      </p:nvGrpSpPr>
+      <p:grpSpPr>
+        <a:xfrm>
+          <a:off x="0" y="0"/>
+          <a:ext cx="0" cy="0"/>
+          <a:chOff x="0" y="0"/>
+          <a:chExt cx="0" cy="0"/>
+        </a:xfrm>
+      </p:grpSpPr>
+      <p:sp>
+        <p:nvSpPr>
+          <p:cNvPr id="2" name="Title 1"/>
+          <p:cNvSpPr>
+            <a:spLocks noGrp="1"/>
+          </p:cNvSpPr>
+          <p:nvPr>
+            <p:ph type="title"/>
+          </p:nvPr>
+        </p:nvSpPr>
+        <p:spPr/>
+        <p:txBody>
+          <a:bodyPr/>
+          <a:lstStyle/>
+          <a:p>
+            <a:r>
+              <a:rPr lang="en-GB" dirty="0" smtClean="0"/>
+              <a:t>References</a:t>
+            </a:r>
+          </a:p>
+        </p:txBody>
+      </p:sp>
+    </p:spTree>
+  </p:cSld>
+  <p:clrMapOvr>
+    <a:masterClrMapping/>
+  </p:clrMapOvr>
+</p:sld>
+</file>
+
+<file path=ppt/slides/slide21.xml><?xml version="1.0" encoding="utf-8"?>
+<p:sld xmlns:a="http://schemas.openxmlformats.org/drawingml/2006/main" xmlns:r="http://schemas.openxmlformats.org/officeDocument/2006/relationships" xmlns:p="http://schemas.openxmlformats.org/presentationml/2006/main">
+  <p:cSld>
+    <p:spTree>
+      <p:nvGrpSpPr>
+        <p:cNvPr id="1" name=""/>
+        <p:cNvGrpSpPr/>
+        <p:nvPr/>
+      </p:nvGrpSpPr>
+      <p:grpSpPr>
+        <a:xfrm>
+          <a:off x="0" y="0"/>
+          <a:ext cx="0" cy="0"/>
+          <a:chOff x="0" y="0"/>
+          <a:chExt cx="0" cy="0"/>
+        </a:xfrm>
+      </p:grpSpPr>
+      <p:sp>
+        <p:nvSpPr>
+          <p:cNvPr id="2" name="Title 1"/>
+          <p:cNvSpPr>
+            <a:spLocks noGrp="1"/>
+          </p:cNvSpPr>
+          <p:nvPr>
+            <p:ph type="title"/>
+          </p:nvPr>
+        </p:nvSpPr>
+        <p:spPr/>
+        <p:txBody>
+          <a:bodyPr/>
+          <a:lstStyle/>
+          <a:p>
+            <a:r>
+              <a:rPr lang="en-GB" dirty="0" smtClean="0"/>
+              <a:t>Source Code and Documentation</a:t>
+            </a:r>
+            <a:endParaRPr lang="en-US" dirty="0"/>
+          </a:p>
+        </p:txBody>
+      </p:sp>
+      <p:sp>
+        <p:nvSpPr>
+          <p:cNvPr id="3" name="Content Placeholder 2"/>
+          <p:cNvSpPr>
+            <a:spLocks noGrp="1"/>
+          </p:cNvSpPr>
+          <p:nvPr>
+            <p:ph idx="1"/>
+          </p:nvPr>
+        </p:nvSpPr>
+        <p:spPr/>
+        <p:txBody>
+          <a:bodyPr>
+            <a:normAutofit fontScale="92500" lnSpcReduction="10000"/>
+          </a:bodyPr>
+          <a:lstStyle/>
+          <a:p>
+            <a:pPr>
+              <a:buNone/>
+            </a:pPr>
+            <a:r>
+              <a:rPr lang="en-US" dirty="0" smtClean="0"/>
+              <a:t>[1] Co-simulation environment:</a:t>
+            </a:r>
+            <a:endParaRPr lang="en-US" dirty="0" smtClean="0">
+              <a:hlinkClick r:id="rId2"/>
+            </a:endParaRPr>
+          </a:p>
+          <a:p>
+            <a:pPr lvl="1">
+              <a:buNone/>
+            </a:pPr>
+            <a:r>
+              <a:rPr lang="en-US" dirty="0" smtClean="0">
+                <a:hlinkClick r:id="rId2"/>
+              </a:rPr>
+              <a:t>https://github.com/timurkelin/cosim</a:t>
+            </a:r>
+            <a:endParaRPr lang="en-US" dirty="0" smtClean="0"/>
+          </a:p>
+          <a:p>
+            <a:pPr>
+              <a:buNone/>
+            </a:pPr>
+            <a:r>
+              <a:rPr lang="en-US" dirty="0" smtClean="0"/>
+              <a:t>[2] Simulation Framework for the Static Scheduler: </a:t>
+            </a:r>
+            <a:endParaRPr lang="en-GB" dirty="0" smtClean="0"/>
+          </a:p>
+          <a:p>
+            <a:pPr lvl="1">
+              <a:buNone/>
+            </a:pPr>
+            <a:r>
+              <a:rPr lang="en-US" dirty="0" smtClean="0">
+                <a:hlinkClick r:id="rId3"/>
+              </a:rPr>
+              <a:t>https://github.com/timurkelin/simschd</a:t>
+            </a:r>
+            <a:endParaRPr lang="en-US" dirty="0" smtClean="0"/>
+          </a:p>
+          <a:p>
+            <a:pPr>
+              <a:buNone/>
+            </a:pPr>
+            <a:r>
+              <a:rPr lang="en-US" dirty="0" smtClean="0"/>
+              <a:t>[3] Simulation framework for Application Specific Vector Processor:</a:t>
+            </a:r>
+            <a:endParaRPr lang="en-GB" dirty="0" smtClean="0"/>
+          </a:p>
+          <a:p>
+            <a:pPr lvl="1">
+              <a:buNone/>
+            </a:pPr>
+            <a:r>
+              <a:rPr lang="en-US" dirty="0" smtClean="0">
+                <a:hlinkClick r:id="rId4"/>
+              </a:rPr>
+              <a:t>https://</a:t>
+            </a:r>
+            <a:r>
+              <a:rPr lang="en-US" dirty="0" smtClean="0">
+                <a:hlinkClick r:id="rId4"/>
+              </a:rPr>
+              <a:t>github.com/timurkelin/simsimd</a:t>
+            </a:r>
+            <a:endParaRPr lang="en-US" dirty="0" smtClean="0"/>
+          </a:p>
+          <a:p>
+            <a:pPr>
+              <a:buNone/>
+            </a:pPr>
+            <a:r>
+              <a:rPr lang="en-US" dirty="0" smtClean="0"/>
+              <a:t>[4] </a:t>
+            </a:r>
+            <a:r>
+              <a:rPr lang="en-US" dirty="0" smtClean="0"/>
+              <a:t>IEEE Std </a:t>
+            </a:r>
+            <a:r>
+              <a:rPr lang="en-US" dirty="0" smtClean="0"/>
+              <a:t>1666-2011, </a:t>
+            </a:r>
+            <a:r>
+              <a:rPr lang="en-US" dirty="0" smtClean="0"/>
+              <a:t>IEEE Standard for </a:t>
+            </a:r>
+            <a:r>
+              <a:rPr lang="en-US" dirty="0" smtClean="0"/>
+              <a:t>Standard </a:t>
+            </a:r>
+            <a:r>
+              <a:rPr lang="en-US" dirty="0" err="1" smtClean="0"/>
+              <a:t>SystemC</a:t>
+            </a:r>
+            <a:r>
+              <a:rPr lang="en-US" dirty="0" smtClean="0"/>
+              <a:t> </a:t>
+            </a:r>
+            <a:r>
+              <a:rPr lang="en-US" dirty="0" smtClean="0"/>
+              <a:t>Language </a:t>
+            </a:r>
+            <a:r>
+              <a:rPr lang="en-US" dirty="0" smtClean="0"/>
+              <a:t>Reference Manual</a:t>
+            </a:r>
+            <a:endParaRPr lang="en-GB" dirty="0" smtClean="0"/>
+          </a:p>
+          <a:p>
+            <a:pPr lvl="1">
+              <a:buNone/>
+            </a:pPr>
+            <a:endParaRPr lang="en-US" dirty="0" smtClean="0"/>
+          </a:p>
+        </p:txBody>
+      </p:sp>
+    </p:spTree>
+  </p:cSld>
+  <p:clrMapOvr>
+    <a:masterClrMapping/>
+  </p:clrMapOvr>
+</p:sld>
+</file>
+
 <file path=ppt/slides/slide3.xml><?xml version="1.0" encoding="utf-8"?>
 <p:sld xmlns:a="http://schemas.openxmlformats.org/drawingml/2006/main" xmlns:r="http://schemas.openxmlformats.org/officeDocument/2006/relationships" xmlns:p="http://schemas.openxmlformats.org/presentationml/2006/main">
   <p:cSld>
@@ -3765,11 +4529,7 @@
           <a:p>
             <a:r>
               <a:rPr lang="en-GB" dirty="0" smtClean="0"/>
-              <a:t>Please refer</a:t>
-            </a:r>
-            <a:r>
-              <a:rPr lang="en-GB" dirty="0" smtClean="0"/>
-              <a:t> to [2] for </a:t>
+              <a:t>Please refer to [2] for </a:t>
             </a:r>
             <a:r>
               <a:rPr lang="en-US" dirty="0" err="1" smtClean="0"/>
@@ -3777,11 +4537,7 @@
             </a:r>
             <a:r>
               <a:rPr lang="en-US" dirty="0" smtClean="0"/>
-              <a:t> </a:t>
-            </a:r>
-            <a:r>
-              <a:rPr lang="en-US" dirty="0" smtClean="0"/>
-              <a:t>Static Scheduler and [3] for </a:t>
+              <a:t> Static Scheduler and [3] for </a:t>
             </a:r>
             <a:r>
               <a:rPr lang="en-US" dirty="0" err="1" smtClean="0"/>
@@ -3789,17 +4545,8 @@
             </a:r>
             <a:r>
               <a:rPr lang="en-US" dirty="0" smtClean="0"/>
-              <a:t> </a:t>
-            </a:r>
-            <a:r>
-              <a:rPr lang="en-US" dirty="0" smtClean="0"/>
-              <a:t>Application Specific Vector </a:t>
-            </a:r>
-            <a:r>
-              <a:rPr lang="en-US" dirty="0" smtClean="0"/>
-              <a:t>Processor.</a:t>
-            </a:r>
-            <a:endParaRPr lang="en-US" dirty="0" smtClean="0"/>
+              <a:t> Application Specific Vector Processor.</a:t>
+            </a:r>
           </a:p>
         </p:txBody>
       </p:sp>
@@ -3892,15 +4639,7 @@
             </a:pPr>
             <a:r>
               <a:rPr lang="en-GB" dirty="0" smtClean="0"/>
-              <a:t>Granularity of the </a:t>
-            </a:r>
-            <a:r>
-              <a:rPr lang="en-GB" dirty="0" smtClean="0"/>
-              <a:t>system structure and control </a:t>
-            </a:r>
-            <a:r>
-              <a:rPr lang="en-GB" dirty="0" smtClean="0"/>
-              <a:t>procedures is increased to match the components which are available inside </a:t>
+              <a:t>Granularity of the system structure and control procedures is increased to match the components which are available inside </a:t>
             </a:r>
             <a:r>
               <a:rPr lang="en-US" dirty="0" err="1" smtClean="0"/>
@@ -3923,17 +4662,8 @@
             </a:r>
             <a:r>
               <a:rPr lang="en-US" dirty="0" smtClean="0"/>
-              <a:t> </a:t>
-            </a:r>
-            <a:r>
-              <a:rPr lang="en-US" dirty="0" smtClean="0"/>
-              <a:t>vector </a:t>
-            </a:r>
-            <a:r>
-              <a:rPr lang="en-US" dirty="0" smtClean="0"/>
-              <a:t>core or cores are then connected in place of the corresponding execution blocks for co-simulation and more detailed evaluation.</a:t>
-            </a:r>
-            <a:endParaRPr lang="en-US" dirty="0" smtClean="0"/>
+              <a:t> vector core or cores are then connected in place of the corresponding execution blocks for co-simulation and more detailed evaluation.</a:t>
+            </a:r>
           </a:p>
         </p:txBody>
       </p:sp>
@@ -4069,15 +4799,7 @@
           <a:p>
             <a:r>
               <a:rPr lang="en-GB" dirty="0" smtClean="0"/>
-              <a:t>Block Diagram of the </a:t>
-            </a:r>
-            <a:r>
-              <a:rPr lang="en-GB" dirty="0" smtClean="0"/>
-              <a:t>Co-Simulation </a:t>
-            </a:r>
-            <a:r>
-              <a:rPr lang="en-GB" dirty="0" smtClean="0"/>
-              <a:t>Platform</a:t>
+              <a:t>Block Diagram of the Co-Simulation Platform</a:t>
             </a:r>
             <a:endParaRPr lang="en-US" dirty="0"/>
           </a:p>
@@ -4127,15 +4849,7 @@
           <a:p>
             <a:r>
               <a:rPr lang="en-GB" dirty="0" smtClean="0"/>
-              <a:t>Co-Simulation </a:t>
-            </a:r>
-            <a:r>
-              <a:rPr lang="en-GB" dirty="0" smtClean="0"/>
-              <a:t>System </a:t>
-            </a:r>
-            <a:r>
-              <a:rPr lang="en-GB" dirty="0" smtClean="0"/>
-              <a:t>Components</a:t>
+              <a:t>Co-Simulation System Components</a:t>
             </a:r>
             <a:endParaRPr lang="en-US" dirty="0"/>
           </a:p>
@@ -4168,19 +4882,7 @@
             <a:pPr marL="514350" indent="-514350"/>
             <a:r>
               <a:rPr lang="en-GB" dirty="0" smtClean="0"/>
-              <a:t>SCHD </a:t>
-            </a:r>
-            <a:r>
-              <a:rPr lang="en-GB" dirty="0" smtClean="0"/>
-              <a:t>Core: see </a:t>
-            </a:r>
-            <a:r>
-              <a:rPr lang="en-GB" dirty="0" smtClean="0"/>
-              <a:t>[2</a:t>
-            </a:r>
-            <a:r>
-              <a:rPr lang="en-GB" dirty="0" smtClean="0"/>
-              <a:t>]</a:t>
+              <a:t>SCHD Core: see [2]</a:t>
             </a:r>
           </a:p>
           <a:p>
@@ -4200,32 +4902,12 @@
           <a:p>
             <a:pPr marL="514350" indent="-514350"/>
             <a:r>
-              <a:rPr lang="en-GB" dirty="0" err="1" smtClean="0"/>
-              <a:t>Cosim</a:t>
-            </a:r>
-            <a:r>
               <a:rPr lang="en-GB" dirty="0" smtClean="0"/>
-              <a:t> adapter: translates data supplied by the SCHD Planner into the control structures for </a:t>
+              <a:t>Co-simulation </a:t>
             </a:r>
             <a:r>
               <a:rPr lang="en-GB" dirty="0" smtClean="0"/>
-              <a:t>SIMD </a:t>
-            </a:r>
-            <a:r>
-              <a:rPr lang="en-GB" dirty="0" smtClean="0"/>
-              <a:t>Core, and </a:t>
-            </a:r>
-            <a:r>
-              <a:rPr lang="en-GB" dirty="0" smtClean="0"/>
-              <a:t>other way </a:t>
-            </a:r>
-            <a:r>
-              <a:rPr lang="en-GB" dirty="0" smtClean="0"/>
-              <a:t>around: events and statuses from the SIMD Core into the format which is acceptable by </a:t>
-            </a:r>
-            <a:r>
-              <a:rPr lang="en-GB" dirty="0" smtClean="0"/>
-              <a:t>SCHD Planner </a:t>
+              <a:t>adapter: translates data supplied by the SCHD Planner into the control structures for SIMD Core, and other way around: events and statuses from the SIMD Core into the format which is acceptable by SCHD Planner </a:t>
             </a:r>
           </a:p>
         </p:txBody>

--- a/doc/cosim.pptx
+++ b/doc/cosim.pptx
@@ -14,18 +14,9 @@
     <p:sldId id="293" r:id="rId8"/>
     <p:sldId id="309" r:id="rId9"/>
     <p:sldId id="295" r:id="rId10"/>
-    <p:sldId id="310" r:id="rId11"/>
-    <p:sldId id="311" r:id="rId12"/>
-    <p:sldId id="312" r:id="rId13"/>
-    <p:sldId id="313" r:id="rId14"/>
-    <p:sldId id="314" r:id="rId15"/>
-    <p:sldId id="315" r:id="rId16"/>
-    <p:sldId id="316" r:id="rId17"/>
-    <p:sldId id="317" r:id="rId18"/>
-    <p:sldId id="318" r:id="rId19"/>
-    <p:sldId id="296" r:id="rId20"/>
-    <p:sldId id="303" r:id="rId21"/>
-    <p:sldId id="304" r:id="rId22"/>
+    <p:sldId id="296" r:id="rId11"/>
+    <p:sldId id="303" r:id="rId12"/>
+    <p:sldId id="304" r:id="rId13"/>
   </p:sldIdLst>
   <p:sldSz cx="9144000" cy="6858000" type="screen4x3"/>
   <p:notesSz cx="6858000" cy="9144000"/>
@@ -309,7 +300,7 @@
             <a:fld id="{3A2F3D4C-B1B2-4ED9-A806-D2C265E29E3F}" type="datetimeFigureOut">
               <a:rPr lang="en-US" smtClean="0"/>
               <a:pPr/>
-              <a:t>15/01/2020</a:t>
+              <a:t>20/01/2020</a:t>
             </a:fld>
             <a:endParaRPr lang="en-US"/>
           </a:p>
@@ -476,7 +467,7 @@
             <a:fld id="{3A2F3D4C-B1B2-4ED9-A806-D2C265E29E3F}" type="datetimeFigureOut">
               <a:rPr lang="en-US" smtClean="0"/>
               <a:pPr/>
-              <a:t>15/01/2020</a:t>
+              <a:t>20/01/2020</a:t>
             </a:fld>
             <a:endParaRPr lang="en-US"/>
           </a:p>
@@ -653,7 +644,7 @@
             <a:fld id="{3A2F3D4C-B1B2-4ED9-A806-D2C265E29E3F}" type="datetimeFigureOut">
               <a:rPr lang="en-US" smtClean="0"/>
               <a:pPr/>
-              <a:t>15/01/2020</a:t>
+              <a:t>20/01/2020</a:t>
             </a:fld>
             <a:endParaRPr lang="en-US"/>
           </a:p>
@@ -820,7 +811,7 @@
             <a:fld id="{3A2F3D4C-B1B2-4ED9-A806-D2C265E29E3F}" type="datetimeFigureOut">
               <a:rPr lang="en-US" smtClean="0"/>
               <a:pPr/>
-              <a:t>15/01/2020</a:t>
+              <a:t>20/01/2020</a:t>
             </a:fld>
             <a:endParaRPr lang="en-US"/>
           </a:p>
@@ -1063,7 +1054,7 @@
             <a:fld id="{3A2F3D4C-B1B2-4ED9-A806-D2C265E29E3F}" type="datetimeFigureOut">
               <a:rPr lang="en-US" smtClean="0"/>
               <a:pPr/>
-              <a:t>15/01/2020</a:t>
+              <a:t>20/01/2020</a:t>
             </a:fld>
             <a:endParaRPr lang="en-US"/>
           </a:p>
@@ -1348,7 +1339,7 @@
             <a:fld id="{3A2F3D4C-B1B2-4ED9-A806-D2C265E29E3F}" type="datetimeFigureOut">
               <a:rPr lang="en-US" smtClean="0"/>
               <a:pPr/>
-              <a:t>15/01/2020</a:t>
+              <a:t>20/01/2020</a:t>
             </a:fld>
             <a:endParaRPr lang="en-US"/>
           </a:p>
@@ -1767,7 +1758,7 @@
             <a:fld id="{3A2F3D4C-B1B2-4ED9-A806-D2C265E29E3F}" type="datetimeFigureOut">
               <a:rPr lang="en-US" smtClean="0"/>
               <a:pPr/>
-              <a:t>15/01/2020</a:t>
+              <a:t>20/01/2020</a:t>
             </a:fld>
             <a:endParaRPr lang="en-US"/>
           </a:p>
@@ -1882,7 +1873,7 @@
             <a:fld id="{3A2F3D4C-B1B2-4ED9-A806-D2C265E29E3F}" type="datetimeFigureOut">
               <a:rPr lang="en-US" smtClean="0"/>
               <a:pPr/>
-              <a:t>15/01/2020</a:t>
+              <a:t>20/01/2020</a:t>
             </a:fld>
             <a:endParaRPr lang="en-US"/>
           </a:p>
@@ -1974,7 +1965,7 @@
             <a:fld id="{3A2F3D4C-B1B2-4ED9-A806-D2C265E29E3F}" type="datetimeFigureOut">
               <a:rPr lang="en-US" smtClean="0"/>
               <a:pPr/>
-              <a:t>15/01/2020</a:t>
+              <a:t>20/01/2020</a:t>
             </a:fld>
             <a:endParaRPr lang="en-US"/>
           </a:p>
@@ -2248,7 +2239,7 @@
             <a:fld id="{3A2F3D4C-B1B2-4ED9-A806-D2C265E29E3F}" type="datetimeFigureOut">
               <a:rPr lang="en-US" smtClean="0"/>
               <a:pPr/>
-              <a:t>15/01/2020</a:t>
+              <a:t>20/01/2020</a:t>
             </a:fld>
             <a:endParaRPr lang="en-US"/>
           </a:p>
@@ -2498,7 +2489,7 @@
             <a:fld id="{3A2F3D4C-B1B2-4ED9-A806-D2C265E29E3F}" type="datetimeFigureOut">
               <a:rPr lang="en-US" smtClean="0"/>
               <a:pPr/>
-              <a:t>15/01/2020</a:t>
+              <a:t>20/01/2020</a:t>
             </a:fld>
             <a:endParaRPr lang="en-US"/>
           </a:p>
@@ -2708,7 +2699,7 @@
             <a:fld id="{3A2F3D4C-B1B2-4ED9-A806-D2C265E29E3F}" type="datetimeFigureOut">
               <a:rPr lang="en-US" smtClean="0"/>
               <a:pPr/>
-              <a:t>15/01/2020</a:t>
+              <a:t>20/01/2020</a:t>
             </a:fld>
             <a:endParaRPr lang="en-US"/>
           </a:p>
@@ -3277,46 +3268,14 @@
         </p:nvSpPr>
         <p:spPr/>
         <p:txBody>
-          <a:bodyPr>
-            <a:normAutofit/>
-          </a:bodyPr>
+          <a:bodyPr/>
           <a:lstStyle/>
           <a:p>
             <a:r>
               <a:rPr lang="en-GB" dirty="0" smtClean="0"/>
-              <a:t>Simulator Preferences</a:t>
+              <a:t>Design Examples</a:t>
             </a:r>
             <a:endParaRPr lang="en-US" dirty="0"/>
-          </a:p>
-        </p:txBody>
-      </p:sp>
-      <p:sp>
-        <p:nvSpPr>
-          <p:cNvPr id="3" name="Content Placeholder 2"/>
-          <p:cNvSpPr>
-            <a:spLocks noGrp="1"/>
-          </p:cNvSpPr>
-          <p:nvPr>
-            <p:ph idx="1"/>
-          </p:nvPr>
-        </p:nvSpPr>
-        <p:spPr/>
-        <p:txBody>
-          <a:bodyPr>
-            <a:normAutofit/>
-          </a:bodyPr>
-          <a:lstStyle/>
-          <a:p>
-            <a:pPr marL="514350" indent="-514350"/>
-            <a:r>
-              <a:rPr lang="en-GB" dirty="0" smtClean="0"/>
-              <a:t>Preferences are supplied to the simulator via the JSON file specified </a:t>
-            </a:r>
-            <a:r>
-              <a:rPr lang="en-GB" dirty="0" smtClean="0"/>
-              <a:t>as a single command line parameter</a:t>
-            </a:r>
-            <a:endParaRPr lang="en-GB" dirty="0" smtClean="0"/>
           </a:p>
         </p:txBody>
       </p:sp>
@@ -3357,119 +3316,13 @@
         </p:nvSpPr>
         <p:spPr/>
         <p:txBody>
-          <a:bodyPr>
-            <a:normAutofit/>
-          </a:bodyPr>
+          <a:bodyPr/>
           <a:lstStyle/>
           <a:p>
             <a:r>
               <a:rPr lang="en-GB" dirty="0" smtClean="0"/>
-              <a:t>Top-level JSON Fields</a:t>
-            </a:r>
-            <a:endParaRPr lang="en-US" dirty="0"/>
-          </a:p>
-        </p:txBody>
-      </p:sp>
-      <p:sp>
-        <p:nvSpPr>
-          <p:cNvPr id="3" name="Content Placeholder 2"/>
-          <p:cNvSpPr>
-            <a:spLocks noGrp="1"/>
-          </p:cNvSpPr>
-          <p:nvPr>
-            <p:ph idx="1"/>
-          </p:nvPr>
-        </p:nvSpPr>
-        <p:spPr/>
-        <p:txBody>
-          <a:bodyPr>
-            <a:normAutofit fontScale="77500" lnSpcReduction="20000"/>
-          </a:bodyPr>
-          <a:lstStyle/>
-          <a:p>
-            <a:pPr marL="514350" indent="-514350"/>
-            <a:r>
-              <a:rPr lang="en-GB" dirty="0" smtClean="0"/>
-              <a:t>“threads”: an array of thread specifications</a:t>
-            </a:r>
-          </a:p>
-          <a:p>
-            <a:pPr marL="514350" indent="-514350"/>
-            <a:r>
-              <a:rPr lang="en-GB" dirty="0" smtClean="0"/>
-              <a:t>“tasks”: an array of task specifications</a:t>
-            </a:r>
-          </a:p>
-          <a:p>
-            <a:pPr marL="514350" indent="-514350"/>
-            <a:r>
-              <a:rPr lang="en-GB" dirty="0" smtClean="0"/>
-              <a:t>“</a:t>
-            </a:r>
-            <a:r>
-              <a:rPr lang="en-GB" dirty="0" smtClean="0"/>
-              <a:t>executors”: an array of the names of the execution blocks available in the system</a:t>
-            </a:r>
-          </a:p>
-          <a:p>
-            <a:pPr marL="514350" indent="-514350"/>
-            <a:r>
-              <a:rPr lang="en-GB" dirty="0" smtClean="0"/>
-              <a:t>“common”: </a:t>
-            </a:r>
-            <a:r>
-              <a:rPr lang="en-GB" dirty="0" smtClean="0"/>
-              <a:t>an array of </a:t>
-            </a:r>
-            <a:r>
-              <a:rPr lang="en-GB" dirty="0" smtClean="0"/>
-              <a:t>common resource specifications</a:t>
-            </a:r>
-          </a:p>
-          <a:p>
-            <a:pPr marL="514350" indent="-514350"/>
-            <a:r>
-              <a:rPr lang="en-GB" dirty="0" smtClean="0"/>
-              <a:t>“time”: specification of the simulation time and resolution</a:t>
-            </a:r>
-          </a:p>
-          <a:p>
-            <a:pPr marL="514350" indent="-514350"/>
-            <a:r>
-              <a:rPr lang="en-GB" dirty="0" smtClean="0"/>
-              <a:t>“trace”: specification of the VCD trace and waveform translation</a:t>
-            </a:r>
-          </a:p>
-          <a:p>
-            <a:pPr marL="514350" indent="-514350"/>
-            <a:r>
-              <a:rPr lang="en-GB" dirty="0" smtClean="0"/>
-              <a:t>“dump”: an array of data dump specifications for the different points of the simulated system</a:t>
-            </a:r>
-          </a:p>
-          <a:p>
-            <a:pPr marL="514350" indent="-514350"/>
-            <a:r>
-              <a:rPr lang="en-GB" dirty="0" smtClean="0"/>
-              <a:t>“report”: controls for </a:t>
-            </a:r>
-            <a:r>
-              <a:rPr lang="en-GB" dirty="0" err="1" smtClean="0"/>
-              <a:t>SystemC</a:t>
-            </a:r>
-            <a:r>
-              <a:rPr lang="en-GB" dirty="0" smtClean="0"/>
-              <a:t> logging and reporting</a:t>
-            </a:r>
-            <a:endParaRPr lang="en-GB" dirty="0" smtClean="0"/>
-          </a:p>
-          <a:p>
-            <a:pPr marL="514350" indent="-514350"/>
-            <a:r>
-              <a:rPr lang="en-GB" dirty="0" smtClean="0"/>
-              <a:t>Please refer to the examples for the specification details</a:t>
-            </a:r>
-            <a:endParaRPr lang="en-GB" dirty="0" smtClean="0"/>
+              <a:t>References</a:t>
+            </a:r>
           </a:p>
         </p:txBody>
       </p:sp>
@@ -3510,526 +3363,124 @@
         </p:nvSpPr>
         <p:spPr/>
         <p:txBody>
+          <a:bodyPr/>
+          <a:lstStyle/>
+          <a:p>
+            <a:r>
+              <a:rPr lang="en-GB" dirty="0" smtClean="0"/>
+              <a:t>Source Code and Documentation</a:t>
+            </a:r>
+            <a:endParaRPr lang="en-US" dirty="0"/>
+          </a:p>
+        </p:txBody>
+      </p:sp>
+      <p:sp>
+        <p:nvSpPr>
+          <p:cNvPr id="3" name="Content Placeholder 2"/>
+          <p:cNvSpPr>
+            <a:spLocks noGrp="1"/>
+          </p:cNvSpPr>
+          <p:nvPr>
+            <p:ph idx="1"/>
+          </p:nvPr>
+        </p:nvSpPr>
+        <p:spPr/>
+        <p:txBody>
           <a:bodyPr>
-            <a:normAutofit/>
+            <a:normAutofit fontScale="92500" lnSpcReduction="10000"/>
           </a:bodyPr>
           <a:lstStyle/>
           <a:p>
-            <a:r>
-              <a:rPr lang="en-GB" dirty="0" smtClean="0"/>
-              <a:t>Thread Specification</a:t>
-            </a:r>
-            <a:endParaRPr lang="en-US" dirty="0"/>
-          </a:p>
-        </p:txBody>
-      </p:sp>
-      <p:sp>
-        <p:nvSpPr>
-          <p:cNvPr id="3" name="Content Placeholder 2"/>
-          <p:cNvSpPr>
-            <a:spLocks noGrp="1"/>
-          </p:cNvSpPr>
-          <p:nvPr>
-            <p:ph idx="1"/>
-          </p:nvPr>
-        </p:nvSpPr>
-        <p:spPr/>
-        <p:txBody>
-          <a:bodyPr>
-            <a:normAutofit/>
-          </a:bodyPr>
-          <a:lstStyle/>
-          <a:p>
-            <a:pPr marL="514350" indent="-514350"/>
+            <a:pPr>
+              <a:buNone/>
+            </a:pPr>
+            <a:r>
+              <a:rPr lang="en-US" dirty="0" smtClean="0"/>
+              <a:t>[1] Co-simulation environment:</a:t>
+            </a:r>
+            <a:endParaRPr lang="en-US" dirty="0" smtClean="0">
+              <a:hlinkClick r:id="rId2"/>
+            </a:endParaRPr>
+          </a:p>
+          <a:p>
+            <a:pPr lvl="1">
+              <a:buNone/>
+            </a:pPr>
+            <a:r>
+              <a:rPr lang="en-US" dirty="0" smtClean="0">
+                <a:hlinkClick r:id="rId2"/>
+              </a:rPr>
+              <a:t>https://github.com/timurkelin/cosim</a:t>
+            </a:r>
+            <a:endParaRPr lang="en-US" dirty="0" smtClean="0"/>
+          </a:p>
+          <a:p>
+            <a:pPr>
+              <a:buNone/>
+            </a:pPr>
+            <a:r>
+              <a:rPr lang="en-US" dirty="0" smtClean="0"/>
+              <a:t>[2] Simulation Framework for the Static Scheduler: </a:t>
+            </a:r>
             <a:endParaRPr lang="en-GB" dirty="0" smtClean="0"/>
           </a:p>
-        </p:txBody>
-      </p:sp>
-    </p:spTree>
-  </p:cSld>
-  <p:clrMapOvr>
-    <a:masterClrMapping/>
-  </p:clrMapOvr>
-</p:sld>
-</file>
-
-<file path=ppt/slides/slide13.xml><?xml version="1.0" encoding="utf-8"?>
-<p:sld xmlns:a="http://schemas.openxmlformats.org/drawingml/2006/main" xmlns:r="http://schemas.openxmlformats.org/officeDocument/2006/relationships" xmlns:p="http://schemas.openxmlformats.org/presentationml/2006/main">
-  <p:cSld>
-    <p:spTree>
-      <p:nvGrpSpPr>
-        <p:cNvPr id="1" name=""/>
-        <p:cNvGrpSpPr/>
-        <p:nvPr/>
-      </p:nvGrpSpPr>
-      <p:grpSpPr>
-        <a:xfrm>
-          <a:off x="0" y="0"/>
-          <a:ext cx="0" cy="0"/>
-          <a:chOff x="0" y="0"/>
-          <a:chExt cx="0" cy="0"/>
-        </a:xfrm>
-      </p:grpSpPr>
-      <p:sp>
-        <p:nvSpPr>
-          <p:cNvPr id="2" name="Title 1"/>
-          <p:cNvSpPr>
-            <a:spLocks noGrp="1"/>
-          </p:cNvSpPr>
-          <p:nvPr>
-            <p:ph type="title"/>
-          </p:nvPr>
-        </p:nvSpPr>
-        <p:spPr/>
-        <p:txBody>
-          <a:bodyPr>
-            <a:normAutofit/>
-          </a:bodyPr>
-          <a:lstStyle/>
-          <a:p>
-            <a:r>
-              <a:rPr lang="en-GB" dirty="0" smtClean="0"/>
-              <a:t>Task Specification</a:t>
-            </a:r>
-            <a:endParaRPr lang="en-US" dirty="0"/>
-          </a:p>
-        </p:txBody>
-      </p:sp>
-      <p:sp>
-        <p:nvSpPr>
-          <p:cNvPr id="3" name="Content Placeholder 2"/>
-          <p:cNvSpPr>
-            <a:spLocks noGrp="1"/>
-          </p:cNvSpPr>
-          <p:nvPr>
-            <p:ph idx="1"/>
-          </p:nvPr>
-        </p:nvSpPr>
-        <p:spPr/>
-        <p:txBody>
-          <a:bodyPr>
-            <a:normAutofit/>
-          </a:bodyPr>
-          <a:lstStyle/>
-          <a:p>
-            <a:pPr marL="514350" indent="-514350"/>
+          <a:p>
+            <a:pPr lvl="1">
+              <a:buNone/>
+            </a:pPr>
+            <a:r>
+              <a:rPr lang="en-US" dirty="0" smtClean="0">
+                <a:hlinkClick r:id="rId3"/>
+              </a:rPr>
+              <a:t>https://github.com/timurkelin/simschd</a:t>
+            </a:r>
+            <a:endParaRPr lang="en-US" dirty="0" smtClean="0"/>
+          </a:p>
+          <a:p>
+            <a:pPr>
+              <a:buNone/>
+            </a:pPr>
+            <a:r>
+              <a:rPr lang="en-US" dirty="0" smtClean="0"/>
+              <a:t>[3] Simulation framework for Application Specific Vector Processor:</a:t>
+            </a:r>
             <a:endParaRPr lang="en-GB" dirty="0" smtClean="0"/>
           </a:p>
-        </p:txBody>
-      </p:sp>
-    </p:spTree>
-  </p:cSld>
-  <p:clrMapOvr>
-    <a:masterClrMapping/>
-  </p:clrMapOvr>
-</p:sld>
-</file>
-
-<file path=ppt/slides/slide14.xml><?xml version="1.0" encoding="utf-8"?>
-<p:sld xmlns:a="http://schemas.openxmlformats.org/drawingml/2006/main" xmlns:r="http://schemas.openxmlformats.org/officeDocument/2006/relationships" xmlns:p="http://schemas.openxmlformats.org/presentationml/2006/main">
-  <p:cSld>
-    <p:spTree>
-      <p:nvGrpSpPr>
-        <p:cNvPr id="1" name=""/>
-        <p:cNvGrpSpPr/>
-        <p:nvPr/>
-      </p:nvGrpSpPr>
-      <p:grpSpPr>
-        <a:xfrm>
-          <a:off x="0" y="0"/>
-          <a:ext cx="0" cy="0"/>
-          <a:chOff x="0" y="0"/>
-          <a:chExt cx="0" cy="0"/>
-        </a:xfrm>
-      </p:grpSpPr>
-      <p:sp>
-        <p:nvSpPr>
-          <p:cNvPr id="2" name="Title 1"/>
-          <p:cNvSpPr>
-            <a:spLocks noGrp="1"/>
-          </p:cNvSpPr>
-          <p:nvPr>
-            <p:ph type="title"/>
-          </p:nvPr>
-        </p:nvSpPr>
-        <p:spPr/>
-        <p:txBody>
-          <a:bodyPr>
-            <a:normAutofit/>
-          </a:bodyPr>
-          <a:lstStyle/>
-          <a:p>
-            <a:r>
-              <a:rPr lang="en-GB" dirty="0" smtClean="0"/>
-              <a:t>Execution Block Specification</a:t>
-            </a:r>
-            <a:endParaRPr lang="en-US" dirty="0"/>
-          </a:p>
-        </p:txBody>
-      </p:sp>
-      <p:sp>
-        <p:nvSpPr>
-          <p:cNvPr id="3" name="Content Placeholder 2"/>
-          <p:cNvSpPr>
-            <a:spLocks noGrp="1"/>
-          </p:cNvSpPr>
-          <p:nvPr>
-            <p:ph idx="1"/>
-          </p:nvPr>
-        </p:nvSpPr>
-        <p:spPr/>
-        <p:txBody>
-          <a:bodyPr>
-            <a:normAutofit/>
-          </a:bodyPr>
-          <a:lstStyle/>
-          <a:p>
-            <a:pPr marL="514350" indent="-514350"/>
+          <a:p>
+            <a:pPr lvl="1">
+              <a:buNone/>
+            </a:pPr>
+            <a:r>
+              <a:rPr lang="en-US" dirty="0" smtClean="0">
+                <a:hlinkClick r:id="rId4"/>
+              </a:rPr>
+              <a:t>https://github.com/timurkelin/simsimd</a:t>
+            </a:r>
+            <a:endParaRPr lang="en-US" dirty="0" smtClean="0"/>
+          </a:p>
+          <a:p>
+            <a:pPr>
+              <a:buNone/>
+            </a:pPr>
+            <a:r>
+              <a:rPr lang="en-US" dirty="0" smtClean="0"/>
+              <a:t>[4] IEEE Std 1666-2011, IEEE Standard for Standard </a:t>
+            </a:r>
+            <a:r>
+              <a:rPr lang="en-US" dirty="0" err="1" smtClean="0"/>
+              <a:t>SystemC</a:t>
+            </a:r>
+            <a:r>
+              <a:rPr lang="en-US" dirty="0" smtClean="0"/>
+              <a:t> Language Reference Manual</a:t>
+            </a:r>
             <a:endParaRPr lang="en-GB" dirty="0" smtClean="0"/>
           </a:p>
-        </p:txBody>
-      </p:sp>
-    </p:spTree>
-  </p:cSld>
-  <p:clrMapOvr>
-    <a:masterClrMapping/>
-  </p:clrMapOvr>
-</p:sld>
-</file>
-
-<file path=ppt/slides/slide15.xml><?xml version="1.0" encoding="utf-8"?>
-<p:sld xmlns:a="http://schemas.openxmlformats.org/drawingml/2006/main" xmlns:r="http://schemas.openxmlformats.org/officeDocument/2006/relationships" xmlns:p="http://schemas.openxmlformats.org/presentationml/2006/main">
-  <p:cSld>
-    <p:spTree>
-      <p:nvGrpSpPr>
-        <p:cNvPr id="1" name=""/>
-        <p:cNvGrpSpPr/>
-        <p:nvPr/>
-      </p:nvGrpSpPr>
-      <p:grpSpPr>
-        <a:xfrm>
-          <a:off x="0" y="0"/>
-          <a:ext cx="0" cy="0"/>
-          <a:chOff x="0" y="0"/>
-          <a:chExt cx="0" cy="0"/>
-        </a:xfrm>
-      </p:grpSpPr>
-      <p:sp>
-        <p:nvSpPr>
-          <p:cNvPr id="2" name="Title 1"/>
-          <p:cNvSpPr>
-            <a:spLocks noGrp="1"/>
-          </p:cNvSpPr>
-          <p:nvPr>
-            <p:ph type="title"/>
-          </p:nvPr>
-        </p:nvSpPr>
-        <p:spPr/>
-        <p:txBody>
-          <a:bodyPr>
-            <a:normAutofit/>
-          </a:bodyPr>
-          <a:lstStyle/>
-          <a:p>
-            <a:r>
-              <a:rPr lang="en-GB" dirty="0" smtClean="0"/>
-              <a:t>Common Resource Specification</a:t>
-            </a:r>
-            <a:endParaRPr lang="en-US" dirty="0"/>
-          </a:p>
-        </p:txBody>
-      </p:sp>
-      <p:sp>
-        <p:nvSpPr>
-          <p:cNvPr id="3" name="Content Placeholder 2"/>
-          <p:cNvSpPr>
-            <a:spLocks noGrp="1"/>
-          </p:cNvSpPr>
-          <p:nvPr>
-            <p:ph idx="1"/>
-          </p:nvPr>
-        </p:nvSpPr>
-        <p:spPr/>
-        <p:txBody>
-          <a:bodyPr>
-            <a:normAutofit/>
-          </a:bodyPr>
-          <a:lstStyle/>
-          <a:p>
-            <a:pPr marL="514350" indent="-514350"/>
-            <a:endParaRPr lang="en-GB" dirty="0" smtClean="0"/>
-          </a:p>
-        </p:txBody>
-      </p:sp>
-    </p:spTree>
-  </p:cSld>
-  <p:clrMapOvr>
-    <a:masterClrMapping/>
-  </p:clrMapOvr>
-</p:sld>
-</file>
-
-<file path=ppt/slides/slide16.xml><?xml version="1.0" encoding="utf-8"?>
-<p:sld xmlns:a="http://schemas.openxmlformats.org/drawingml/2006/main" xmlns:r="http://schemas.openxmlformats.org/officeDocument/2006/relationships" xmlns:p="http://schemas.openxmlformats.org/presentationml/2006/main">
-  <p:cSld>
-    <p:spTree>
-      <p:nvGrpSpPr>
-        <p:cNvPr id="1" name=""/>
-        <p:cNvGrpSpPr/>
-        <p:nvPr/>
-      </p:nvGrpSpPr>
-      <p:grpSpPr>
-        <a:xfrm>
-          <a:off x="0" y="0"/>
-          <a:ext cx="0" cy="0"/>
-          <a:chOff x="0" y="0"/>
-          <a:chExt cx="0" cy="0"/>
-        </a:xfrm>
-      </p:grpSpPr>
-      <p:sp>
-        <p:nvSpPr>
-          <p:cNvPr id="2" name="Title 1"/>
-          <p:cNvSpPr>
-            <a:spLocks noGrp="1"/>
-          </p:cNvSpPr>
-          <p:nvPr>
-            <p:ph type="title"/>
-          </p:nvPr>
-        </p:nvSpPr>
-        <p:spPr/>
-        <p:txBody>
-          <a:bodyPr>
-            <a:normAutofit/>
-          </a:bodyPr>
-          <a:lstStyle/>
-          <a:p>
-            <a:r>
-              <a:rPr lang="en-GB" dirty="0" smtClean="0"/>
-              <a:t>VCD Trace Specification</a:t>
-            </a:r>
-            <a:endParaRPr lang="en-US" dirty="0"/>
-          </a:p>
-        </p:txBody>
-      </p:sp>
-      <p:sp>
-        <p:nvSpPr>
-          <p:cNvPr id="3" name="Content Placeholder 2"/>
-          <p:cNvSpPr>
-            <a:spLocks noGrp="1"/>
-          </p:cNvSpPr>
-          <p:nvPr>
-            <p:ph idx="1"/>
-          </p:nvPr>
-        </p:nvSpPr>
-        <p:spPr/>
-        <p:txBody>
-          <a:bodyPr>
-            <a:normAutofit/>
-          </a:bodyPr>
-          <a:lstStyle/>
-          <a:p>
-            <a:pPr marL="514350" indent="-514350"/>
-            <a:endParaRPr lang="en-GB" dirty="0" smtClean="0"/>
-          </a:p>
-        </p:txBody>
-      </p:sp>
-    </p:spTree>
-  </p:cSld>
-  <p:clrMapOvr>
-    <a:masterClrMapping/>
-  </p:clrMapOvr>
-</p:sld>
-</file>
-
-<file path=ppt/slides/slide17.xml><?xml version="1.0" encoding="utf-8"?>
-<p:sld xmlns:a="http://schemas.openxmlformats.org/drawingml/2006/main" xmlns:r="http://schemas.openxmlformats.org/officeDocument/2006/relationships" xmlns:p="http://schemas.openxmlformats.org/presentationml/2006/main">
-  <p:cSld>
-    <p:spTree>
-      <p:nvGrpSpPr>
-        <p:cNvPr id="1" name=""/>
-        <p:cNvGrpSpPr/>
-        <p:nvPr/>
-      </p:nvGrpSpPr>
-      <p:grpSpPr>
-        <a:xfrm>
-          <a:off x="0" y="0"/>
-          <a:ext cx="0" cy="0"/>
-          <a:chOff x="0" y="0"/>
-          <a:chExt cx="0" cy="0"/>
-        </a:xfrm>
-      </p:grpSpPr>
-      <p:sp>
-        <p:nvSpPr>
-          <p:cNvPr id="2" name="Title 1"/>
-          <p:cNvSpPr>
-            <a:spLocks noGrp="1"/>
-          </p:cNvSpPr>
-          <p:nvPr>
-            <p:ph type="title"/>
-          </p:nvPr>
-        </p:nvSpPr>
-        <p:spPr/>
-        <p:txBody>
-          <a:bodyPr>
-            <a:normAutofit/>
-          </a:bodyPr>
-          <a:lstStyle/>
-          <a:p>
-            <a:r>
-              <a:rPr lang="en-GB" dirty="0" smtClean="0"/>
-              <a:t>Data Dump Specification</a:t>
-            </a:r>
-            <a:endParaRPr lang="en-US" dirty="0"/>
-          </a:p>
-        </p:txBody>
-      </p:sp>
-      <p:sp>
-        <p:nvSpPr>
-          <p:cNvPr id="3" name="Content Placeholder 2"/>
-          <p:cNvSpPr>
-            <a:spLocks noGrp="1"/>
-          </p:cNvSpPr>
-          <p:nvPr>
-            <p:ph idx="1"/>
-          </p:nvPr>
-        </p:nvSpPr>
-        <p:spPr/>
-        <p:txBody>
-          <a:bodyPr>
-            <a:normAutofit/>
-          </a:bodyPr>
-          <a:lstStyle/>
-          <a:p>
-            <a:pPr marL="514350" indent="-514350"/>
-            <a:endParaRPr lang="en-GB" dirty="0" smtClean="0"/>
-          </a:p>
-        </p:txBody>
-      </p:sp>
-    </p:spTree>
-  </p:cSld>
-  <p:clrMapOvr>
-    <a:masterClrMapping/>
-  </p:clrMapOvr>
-</p:sld>
-</file>
-
-<file path=ppt/slides/slide18.xml><?xml version="1.0" encoding="utf-8"?>
-<p:sld xmlns:a="http://schemas.openxmlformats.org/drawingml/2006/main" xmlns:r="http://schemas.openxmlformats.org/officeDocument/2006/relationships" xmlns:p="http://schemas.openxmlformats.org/presentationml/2006/main">
-  <p:cSld>
-    <p:spTree>
-      <p:nvGrpSpPr>
-        <p:cNvPr id="1" name=""/>
-        <p:cNvGrpSpPr/>
-        <p:nvPr/>
-      </p:nvGrpSpPr>
-      <p:grpSpPr>
-        <a:xfrm>
-          <a:off x="0" y="0"/>
-          <a:ext cx="0" cy="0"/>
-          <a:chOff x="0" y="0"/>
-          <a:chExt cx="0" cy="0"/>
-        </a:xfrm>
-      </p:grpSpPr>
-      <p:sp>
-        <p:nvSpPr>
-          <p:cNvPr id="2" name="Title 1"/>
-          <p:cNvSpPr>
-            <a:spLocks noGrp="1"/>
-          </p:cNvSpPr>
-          <p:nvPr>
-            <p:ph type="title"/>
-          </p:nvPr>
-        </p:nvSpPr>
-        <p:spPr/>
-        <p:txBody>
-          <a:bodyPr>
-            <a:normAutofit fontScale="90000"/>
-          </a:bodyPr>
-          <a:lstStyle/>
-          <a:p>
-            <a:r>
-              <a:rPr lang="en-GB" dirty="0" smtClean="0"/>
-              <a:t>Logging </a:t>
-            </a:r>
-            <a:r>
-              <a:rPr lang="en-GB" dirty="0" smtClean="0"/>
-              <a:t>and </a:t>
-            </a:r>
-            <a:r>
-              <a:rPr lang="en-GB" dirty="0" smtClean="0"/>
-              <a:t>Reporting Specification</a:t>
-            </a:r>
-            <a:endParaRPr lang="en-US" dirty="0"/>
-          </a:p>
-        </p:txBody>
-      </p:sp>
-      <p:sp>
-        <p:nvSpPr>
-          <p:cNvPr id="3" name="Content Placeholder 2"/>
-          <p:cNvSpPr>
-            <a:spLocks noGrp="1"/>
-          </p:cNvSpPr>
-          <p:nvPr>
-            <p:ph idx="1"/>
-          </p:nvPr>
-        </p:nvSpPr>
-        <p:spPr/>
-        <p:txBody>
-          <a:bodyPr>
-            <a:normAutofit/>
-          </a:bodyPr>
-          <a:lstStyle/>
-          <a:p>
-            <a:pPr marL="514350" indent="-514350"/>
-            <a:endParaRPr lang="en-GB" dirty="0" smtClean="0"/>
-          </a:p>
-        </p:txBody>
-      </p:sp>
-    </p:spTree>
-  </p:cSld>
-  <p:clrMapOvr>
-    <a:masterClrMapping/>
-  </p:clrMapOvr>
-</p:sld>
-</file>
-
-<file path=ppt/slides/slide19.xml><?xml version="1.0" encoding="utf-8"?>
-<p:sld xmlns:a="http://schemas.openxmlformats.org/drawingml/2006/main" xmlns:r="http://schemas.openxmlformats.org/officeDocument/2006/relationships" xmlns:p="http://schemas.openxmlformats.org/presentationml/2006/main">
-  <p:cSld>
-    <p:spTree>
-      <p:nvGrpSpPr>
-        <p:cNvPr id="1" name=""/>
-        <p:cNvGrpSpPr/>
-        <p:nvPr/>
-      </p:nvGrpSpPr>
-      <p:grpSpPr>
-        <a:xfrm>
-          <a:off x="0" y="0"/>
-          <a:ext cx="0" cy="0"/>
-          <a:chOff x="0" y="0"/>
-          <a:chExt cx="0" cy="0"/>
-        </a:xfrm>
-      </p:grpSpPr>
-      <p:sp>
-        <p:nvSpPr>
-          <p:cNvPr id="2" name="Title 1"/>
-          <p:cNvSpPr>
-            <a:spLocks noGrp="1"/>
-          </p:cNvSpPr>
-          <p:nvPr>
-            <p:ph type="title"/>
-          </p:nvPr>
-        </p:nvSpPr>
-        <p:spPr/>
-        <p:txBody>
-          <a:bodyPr/>
-          <a:lstStyle/>
-          <a:p>
-            <a:r>
-              <a:rPr lang="en-GB" dirty="0" smtClean="0"/>
-              <a:t>Design Examples</a:t>
-            </a:r>
-            <a:endParaRPr lang="en-US" dirty="0"/>
+          <a:p>
+            <a:pPr lvl="1">
+              <a:buNone/>
+            </a:pPr>
+            <a:endParaRPr lang="en-US" dirty="0" smtClean="0"/>
           </a:p>
         </p:txBody>
       </p:sp>
@@ -4156,241 +3607,6 @@
       </p:par>
     </p:tnLst>
   </p:timing>
-</p:sld>
-</file>
-
-<file path=ppt/slides/slide20.xml><?xml version="1.0" encoding="utf-8"?>
-<p:sld xmlns:a="http://schemas.openxmlformats.org/drawingml/2006/main" xmlns:r="http://schemas.openxmlformats.org/officeDocument/2006/relationships" xmlns:p="http://schemas.openxmlformats.org/presentationml/2006/main">
-  <p:cSld>
-    <p:spTree>
-      <p:nvGrpSpPr>
-        <p:cNvPr id="1" name=""/>
-        <p:cNvGrpSpPr/>
-        <p:nvPr/>
-      </p:nvGrpSpPr>
-      <p:grpSpPr>
-        <a:xfrm>
-          <a:off x="0" y="0"/>
-          <a:ext cx="0" cy="0"/>
-          <a:chOff x="0" y="0"/>
-          <a:chExt cx="0" cy="0"/>
-        </a:xfrm>
-      </p:grpSpPr>
-      <p:sp>
-        <p:nvSpPr>
-          <p:cNvPr id="2" name="Title 1"/>
-          <p:cNvSpPr>
-            <a:spLocks noGrp="1"/>
-          </p:cNvSpPr>
-          <p:nvPr>
-            <p:ph type="title"/>
-          </p:nvPr>
-        </p:nvSpPr>
-        <p:spPr/>
-        <p:txBody>
-          <a:bodyPr/>
-          <a:lstStyle/>
-          <a:p>
-            <a:r>
-              <a:rPr lang="en-GB" dirty="0" smtClean="0"/>
-              <a:t>References</a:t>
-            </a:r>
-          </a:p>
-        </p:txBody>
-      </p:sp>
-    </p:spTree>
-  </p:cSld>
-  <p:clrMapOvr>
-    <a:masterClrMapping/>
-  </p:clrMapOvr>
-</p:sld>
-</file>
-
-<file path=ppt/slides/slide21.xml><?xml version="1.0" encoding="utf-8"?>
-<p:sld xmlns:a="http://schemas.openxmlformats.org/drawingml/2006/main" xmlns:r="http://schemas.openxmlformats.org/officeDocument/2006/relationships" xmlns:p="http://schemas.openxmlformats.org/presentationml/2006/main">
-  <p:cSld>
-    <p:spTree>
-      <p:nvGrpSpPr>
-        <p:cNvPr id="1" name=""/>
-        <p:cNvGrpSpPr/>
-        <p:nvPr/>
-      </p:nvGrpSpPr>
-      <p:grpSpPr>
-        <a:xfrm>
-          <a:off x="0" y="0"/>
-          <a:ext cx="0" cy="0"/>
-          <a:chOff x="0" y="0"/>
-          <a:chExt cx="0" cy="0"/>
-        </a:xfrm>
-      </p:grpSpPr>
-      <p:sp>
-        <p:nvSpPr>
-          <p:cNvPr id="2" name="Title 1"/>
-          <p:cNvSpPr>
-            <a:spLocks noGrp="1"/>
-          </p:cNvSpPr>
-          <p:nvPr>
-            <p:ph type="title"/>
-          </p:nvPr>
-        </p:nvSpPr>
-        <p:spPr/>
-        <p:txBody>
-          <a:bodyPr/>
-          <a:lstStyle/>
-          <a:p>
-            <a:r>
-              <a:rPr lang="en-GB" dirty="0" smtClean="0"/>
-              <a:t>Source Code and Documentation</a:t>
-            </a:r>
-            <a:endParaRPr lang="en-US" dirty="0"/>
-          </a:p>
-        </p:txBody>
-      </p:sp>
-      <p:sp>
-        <p:nvSpPr>
-          <p:cNvPr id="3" name="Content Placeholder 2"/>
-          <p:cNvSpPr>
-            <a:spLocks noGrp="1"/>
-          </p:cNvSpPr>
-          <p:nvPr>
-            <p:ph idx="1"/>
-          </p:nvPr>
-        </p:nvSpPr>
-        <p:spPr/>
-        <p:txBody>
-          <a:bodyPr>
-            <a:normAutofit fontScale="92500" lnSpcReduction="10000"/>
-          </a:bodyPr>
-          <a:lstStyle/>
-          <a:p>
-            <a:pPr>
-              <a:buNone/>
-            </a:pPr>
-            <a:r>
-              <a:rPr lang="en-US" dirty="0" smtClean="0"/>
-              <a:t>[1] Co-simulation environment:</a:t>
-            </a:r>
-            <a:endParaRPr lang="en-US" dirty="0" smtClean="0">
-              <a:hlinkClick r:id="rId2"/>
-            </a:endParaRPr>
-          </a:p>
-          <a:p>
-            <a:pPr lvl="1">
-              <a:buNone/>
-            </a:pPr>
-            <a:r>
-              <a:rPr lang="en-US" dirty="0" smtClean="0">
-                <a:hlinkClick r:id="rId2"/>
-              </a:rPr>
-              <a:t>https://github.com/timurkelin/cosim</a:t>
-            </a:r>
-            <a:endParaRPr lang="en-US" dirty="0" smtClean="0"/>
-          </a:p>
-          <a:p>
-            <a:pPr>
-              <a:buNone/>
-            </a:pPr>
-            <a:r>
-              <a:rPr lang="en-US" dirty="0" smtClean="0"/>
-              <a:t>[2] Simulation Framework for the Static Scheduler: </a:t>
-            </a:r>
-            <a:endParaRPr lang="en-GB" dirty="0" smtClean="0"/>
-          </a:p>
-          <a:p>
-            <a:pPr lvl="1">
-              <a:buNone/>
-            </a:pPr>
-            <a:r>
-              <a:rPr lang="en-US" dirty="0" smtClean="0">
-                <a:hlinkClick r:id="rId3"/>
-              </a:rPr>
-              <a:t>https://github.com/timurkelin/simschd</a:t>
-            </a:r>
-            <a:endParaRPr lang="en-US" dirty="0" smtClean="0"/>
-          </a:p>
-          <a:p>
-            <a:pPr>
-              <a:buNone/>
-            </a:pPr>
-            <a:r>
-              <a:rPr lang="en-US" dirty="0" smtClean="0"/>
-              <a:t>[3] Simulation framework for Application Specific Vector Processor:</a:t>
-            </a:r>
-            <a:endParaRPr lang="en-GB" dirty="0" smtClean="0"/>
-          </a:p>
-          <a:p>
-            <a:pPr lvl="1">
-              <a:buNone/>
-            </a:pPr>
-            <a:r>
-              <a:rPr lang="en-US" dirty="0" smtClean="0">
-                <a:hlinkClick r:id="rId4"/>
-              </a:rPr>
-              <a:t>https://</a:t>
-            </a:r>
-            <a:r>
-              <a:rPr lang="en-US" dirty="0" smtClean="0">
-                <a:hlinkClick r:id="rId4"/>
-              </a:rPr>
-              <a:t>github.com/timurkelin/simsimd</a:t>
-            </a:r>
-            <a:endParaRPr lang="en-US" dirty="0" smtClean="0"/>
-          </a:p>
-          <a:p>
-            <a:pPr>
-              <a:buNone/>
-            </a:pPr>
-            <a:r>
-              <a:rPr lang="en-US" dirty="0" smtClean="0"/>
-              <a:t>[4] </a:t>
-            </a:r>
-            <a:r>
-              <a:rPr lang="en-US" dirty="0" smtClean="0"/>
-              <a:t>IEEE Std </a:t>
-            </a:r>
-            <a:r>
-              <a:rPr lang="en-US" dirty="0" smtClean="0"/>
-              <a:t>1666-2011, </a:t>
-            </a:r>
-            <a:r>
-              <a:rPr lang="en-US" dirty="0" smtClean="0"/>
-              <a:t>IEEE Standard for </a:t>
-            </a:r>
-            <a:r>
-              <a:rPr lang="en-US" dirty="0" smtClean="0"/>
-              <a:t>Standard </a:t>
-            </a:r>
-            <a:r>
-              <a:rPr lang="en-US" dirty="0" err="1" smtClean="0"/>
-              <a:t>SystemC</a:t>
-            </a:r>
-            <a:r>
-              <a:rPr lang="en-US" dirty="0" smtClean="0"/>
-              <a:t> </a:t>
-            </a:r>
-            <a:r>
-              <a:rPr lang="en-US" dirty="0" smtClean="0"/>
-              <a:t>Language </a:t>
-            </a:r>
-            <a:r>
-              <a:rPr lang="en-US" dirty="0" smtClean="0"/>
-              <a:t>Reference Manual</a:t>
-            </a:r>
-            <a:endParaRPr lang="en-GB" dirty="0" smtClean="0"/>
-          </a:p>
-          <a:p>
-            <a:pPr lvl="1">
-              <a:buNone/>
-            </a:pPr>
-            <a:endParaRPr lang="en-US" dirty="0" smtClean="0"/>
-          </a:p>
-        </p:txBody>
-      </p:sp>
-    </p:spTree>
-  </p:cSld>
-  <p:clrMapOvr>
-    <a:masterClrMapping/>
-  </p:clrMapOvr>
 </p:sld>
 </file>
 
@@ -4903,11 +4119,7 @@
             <a:pPr marL="514350" indent="-514350"/>
             <a:r>
               <a:rPr lang="en-GB" dirty="0" smtClean="0"/>
-              <a:t>Co-simulation </a:t>
-            </a:r>
-            <a:r>
-              <a:rPr lang="en-GB" dirty="0" smtClean="0"/>
-              <a:t>adapter: translates data supplied by the SCHD Planner into the control structures for SIMD Core, and other way around: events and statuses from the SIMD Core into the format which is acceptable by SCHD Planner </a:t>
+              <a:t>Co-simulation adapter: translates data supplied by the SCHD Planner into the control structures for SIMD Core, and other way around: events and statuses from the SIMD Core into the format which is acceptable by SCHD Planner </a:t>
             </a:r>
           </a:p>
         </p:txBody>
